--- a/Sustainability Living Dashboard Analysis.pptx
+++ b/Sustainability Living Dashboard Analysis.pptx
@@ -10,7 +10,9 @@
     <p:sldId id="258" r:id="rId4"/>
     <p:sldId id="259" r:id="rId5"/>
     <p:sldId id="261" r:id="rId6"/>
-    <p:sldId id="260" r:id="rId7"/>
+    <p:sldId id="262" r:id="rId7"/>
+    <p:sldId id="263" r:id="rId8"/>
+    <p:sldId id="260" r:id="rId9"/>
   </p:sldIdLst>
   <p:sldSz cx="12192000" cy="6858000"/>
   <p:notesSz cx="6858000" cy="9144000"/>
@@ -109,6 +111,11 @@
       </a:defRPr>
     </a:lvl9pPr>
   </p:defaultTextStyle>
+  <p:extLst>
+    <p:ext uri="{EFAFB233-063F-42B5-8137-9DF3F51BA10A}">
+      <p15:sldGuideLst xmlns:p15="http://schemas.microsoft.com/office/powerpoint/2012/main"/>
+    </p:ext>
+  </p:extLst>
 </p:presentation>
 </file>
 
@@ -117,7 +124,7 @@
   <pc:docChgLst>
     <pc:chgData name="Pragathi Venkatesan" userId="2199d0461093d612" providerId="LiveId" clId="{CABB2B00-8CAE-47A0-8303-C85A77E2AB88}"/>
     <pc:docChg chg="addSld modSld">
-      <pc:chgData name="Pragathi Venkatesan" userId="2199d0461093d612" providerId="LiveId" clId="{CABB2B00-8CAE-47A0-8303-C85A77E2AB88}" dt="2025-02-22T09:12:27.471" v="6" actId="14100"/>
+      <pc:chgData name="Pragathi Venkatesan" userId="2199d0461093d612" providerId="LiveId" clId="{CABB2B00-8CAE-47A0-8303-C85A77E2AB88}" dt="2025-02-22T09:27:52.642" v="21" actId="14100"/>
       <pc:docMkLst>
         <pc:docMk/>
       </pc:docMkLst>
@@ -133,6 +140,36 @@
             <pc:docMk/>
             <pc:sldMk cId="2010886073" sldId="261"/>
             <ac:picMk id="2" creationId="{CC842C62-4DC9-4668-895E-F8CC64E3C62F}"/>
+          </ac:picMkLst>
+        </pc:picChg>
+      </pc:sldChg>
+      <pc:sldChg chg="addSp modSp add">
+        <pc:chgData name="Pragathi Venkatesan" userId="2199d0461093d612" providerId="LiveId" clId="{CABB2B00-8CAE-47A0-8303-C85A77E2AB88}" dt="2025-02-22T09:26:53.967" v="15" actId="14100"/>
+        <pc:sldMkLst>
+          <pc:docMk/>
+          <pc:sldMk cId="1094308060" sldId="262"/>
+        </pc:sldMkLst>
+        <pc:picChg chg="add mod">
+          <ac:chgData name="Pragathi Venkatesan" userId="2199d0461093d612" providerId="LiveId" clId="{CABB2B00-8CAE-47A0-8303-C85A77E2AB88}" dt="2025-02-22T09:26:53.967" v="15" actId="14100"/>
+          <ac:picMkLst>
+            <pc:docMk/>
+            <pc:sldMk cId="1094308060" sldId="262"/>
+            <ac:picMk id="2" creationId="{F52E517D-8F51-41A1-8703-1FEC4D7E822A}"/>
+          </ac:picMkLst>
+        </pc:picChg>
+      </pc:sldChg>
+      <pc:sldChg chg="addSp modSp add">
+        <pc:chgData name="Pragathi Venkatesan" userId="2199d0461093d612" providerId="LiveId" clId="{CABB2B00-8CAE-47A0-8303-C85A77E2AB88}" dt="2025-02-22T09:27:52.642" v="21" actId="14100"/>
+        <pc:sldMkLst>
+          <pc:docMk/>
+          <pc:sldMk cId="197028976" sldId="263"/>
+        </pc:sldMkLst>
+        <pc:picChg chg="add mod">
+          <ac:chgData name="Pragathi Venkatesan" userId="2199d0461093d612" providerId="LiveId" clId="{CABB2B00-8CAE-47A0-8303-C85A77E2AB88}" dt="2025-02-22T09:27:52.642" v="21" actId="14100"/>
+          <ac:picMkLst>
+            <pc:docMk/>
+            <pc:sldMk cId="197028976" sldId="263"/>
+            <ac:picMk id="2" creationId="{58332A8E-547D-4B02-9E84-E1D6E6C53458}"/>
           </ac:picMkLst>
         </pc:picChg>
       </pc:sldChg>
@@ -13767,6 +13804,126 @@
           <a:chExt cx="0" cy="0"/>
         </a:xfrm>
       </p:grpSpPr>
+      <p:pic>
+        <p:nvPicPr>
+          <p:cNvPr id="2" name="Picture 1">
+            <a:extLst>
+              <a:ext uri="{FF2B5EF4-FFF2-40B4-BE49-F238E27FC236}">
+                <a16:creationId xmlns:a16="http://schemas.microsoft.com/office/drawing/2014/main" id="{F52E517D-8F51-41A1-8703-1FEC4D7E822A}"/>
+              </a:ext>
+            </a:extLst>
+          </p:cNvPr>
+          <p:cNvPicPr>
+            <a:picLocks noChangeAspect="1"/>
+          </p:cNvPicPr>
+          <p:nvPr/>
+        </p:nvPicPr>
+        <p:blipFill>
+          <a:blip r:embed="rId2"/>
+          <a:stretch>
+            <a:fillRect/>
+          </a:stretch>
+        </p:blipFill>
+        <p:spPr>
+          <a:xfrm>
+            <a:off x="0" y="-74645"/>
+            <a:ext cx="12192000" cy="6932645"/>
+          </a:xfrm>
+          <a:prstGeom prst="rect">
+            <a:avLst/>
+          </a:prstGeom>
+        </p:spPr>
+      </p:pic>
+    </p:spTree>
+    <p:extLst>
+      <p:ext uri="{BB962C8B-B14F-4D97-AF65-F5344CB8AC3E}">
+        <p14:creationId xmlns:p14="http://schemas.microsoft.com/office/powerpoint/2010/main" val="1094308060"/>
+      </p:ext>
+    </p:extLst>
+  </p:cSld>
+  <p:clrMapOvr>
+    <a:masterClrMapping/>
+  </p:clrMapOvr>
+</p:sld>
+</file>
+
+<file path=ppt/slides/slide7.xml><?xml version="1.0" encoding="utf-8"?>
+<p:sld xmlns:a="http://schemas.openxmlformats.org/drawingml/2006/main" xmlns:r="http://schemas.openxmlformats.org/officeDocument/2006/relationships" xmlns:p="http://schemas.openxmlformats.org/presentationml/2006/main">
+  <p:cSld>
+    <p:spTree>
+      <p:nvGrpSpPr>
+        <p:cNvPr id="1" name=""/>
+        <p:cNvGrpSpPr/>
+        <p:nvPr/>
+      </p:nvGrpSpPr>
+      <p:grpSpPr>
+        <a:xfrm>
+          <a:off x="0" y="0"/>
+          <a:ext cx="0" cy="0"/>
+          <a:chOff x="0" y="0"/>
+          <a:chExt cx="0" cy="0"/>
+        </a:xfrm>
+      </p:grpSpPr>
+      <p:pic>
+        <p:nvPicPr>
+          <p:cNvPr id="2" name="Picture 1">
+            <a:extLst>
+              <a:ext uri="{FF2B5EF4-FFF2-40B4-BE49-F238E27FC236}">
+                <a16:creationId xmlns:a16="http://schemas.microsoft.com/office/drawing/2014/main" id="{58332A8E-547D-4B02-9E84-E1D6E6C53458}"/>
+              </a:ext>
+            </a:extLst>
+          </p:cNvPr>
+          <p:cNvPicPr>
+            <a:picLocks noChangeAspect="1"/>
+          </p:cNvPicPr>
+          <p:nvPr/>
+        </p:nvPicPr>
+        <p:blipFill>
+          <a:blip r:embed="rId2"/>
+          <a:stretch>
+            <a:fillRect/>
+          </a:stretch>
+        </p:blipFill>
+        <p:spPr>
+          <a:xfrm>
+            <a:off x="0" y="0"/>
+            <a:ext cx="12191999" cy="6858000"/>
+          </a:xfrm>
+          <a:prstGeom prst="rect">
+            <a:avLst/>
+          </a:prstGeom>
+        </p:spPr>
+      </p:pic>
+    </p:spTree>
+    <p:extLst>
+      <p:ext uri="{BB962C8B-B14F-4D97-AF65-F5344CB8AC3E}">
+        <p14:creationId xmlns:p14="http://schemas.microsoft.com/office/powerpoint/2010/main" val="197028976"/>
+      </p:ext>
+    </p:extLst>
+  </p:cSld>
+  <p:clrMapOvr>
+    <a:masterClrMapping/>
+  </p:clrMapOvr>
+</p:sld>
+</file>
+
+<file path=ppt/slides/slide8.xml><?xml version="1.0" encoding="utf-8"?>
+<p:sld xmlns:a="http://schemas.openxmlformats.org/drawingml/2006/main" xmlns:r="http://schemas.openxmlformats.org/officeDocument/2006/relationships" xmlns:p="http://schemas.openxmlformats.org/presentationml/2006/main">
+  <p:cSld>
+    <p:spTree>
+      <p:nvGrpSpPr>
+        <p:cNvPr id="1" name=""/>
+        <p:cNvGrpSpPr/>
+        <p:nvPr/>
+      </p:nvGrpSpPr>
+      <p:grpSpPr>
+        <a:xfrm>
+          <a:off x="0" y="0"/>
+          <a:ext cx="0" cy="0"/>
+          <a:chOff x="0" y="0"/>
+          <a:chExt cx="0" cy="0"/>
+        </a:xfrm>
+      </p:grpSpPr>
       <p:sp>
         <p:nvSpPr>
           <p:cNvPr id="2" name="Title 1">
